--- a/lbl2016/HPX Workshop (Berkeley C++ Summit) - 5.pptx
+++ b/lbl2016/HPX Workshop (Berkeley C++ Summit) - 5.pptx
@@ -231,7 +231,7 @@
           <a:p>
             <a:fld id="{FEB80FAA-87D6-497E-80FC-86163C79CB54}" type="datetimeFigureOut">
               <a:rPr lang="en-US" smtClean="0"/>
-              <a:t>10/12/2016</a:t>
+              <a:t>10/13/2016</a:t>
             </a:fld>
             <a:endParaRPr lang="en-US"/>
           </a:p>
@@ -968,7 +968,7 @@
           <a:p>
             <a:r>
               <a:rPr lang="en-US" smtClean="0"/>
-              <a:t>HPX - The C++ Standards Library for Concurrency and Parallelism (http://stellar-group.org/hpx)</a:t>
+              <a:t>HPX Workshop (Berkeley C++ Summit) - 5,            Hartmut Kaiser (hkaiser@cct.lsu.edu)</a:t>
             </a:r>
             <a:endParaRPr lang="en-US"/>
           </a:p>
@@ -1149,7 +1149,7 @@
           <a:p>
             <a:r>
               <a:rPr lang="en-US" smtClean="0"/>
-              <a:t>HPX - The C++ Standards Library for Concurrency and Parallelism (http://stellar-group.org/hpx)</a:t>
+              <a:t>HPX Workshop (Berkeley C++ Summit) - 5,            Hartmut Kaiser (hkaiser@cct.lsu.edu)</a:t>
             </a:r>
             <a:endParaRPr lang="en-US"/>
           </a:p>
@@ -1374,7 +1374,7 @@
           <a:p>
             <a:r>
               <a:rPr lang="en-US" smtClean="0"/>
-              <a:t>HPX - The C++ Standards Library for Concurrency and Parallelism (http://stellar-group.org/hpx)</a:t>
+              <a:t>HPX Workshop (Berkeley C++ Summit) - 5,            Hartmut Kaiser (hkaiser@cct.lsu.edu)</a:t>
             </a:r>
             <a:endParaRPr lang="en-US"/>
           </a:p>
@@ -1589,7 +1589,7 @@
           <a:p>
             <a:r>
               <a:rPr lang="en-US" smtClean="0"/>
-              <a:t>HPX - The C++ Standards Library for Concurrency and Parallelism (http://stellar-group.org/hpx)</a:t>
+              <a:t>HPX Workshop (Berkeley C++ Summit) - 5,            Hartmut Kaiser (hkaiser@cct.lsu.edu)</a:t>
             </a:r>
             <a:endParaRPr lang="en-US"/>
           </a:p>
@@ -1925,7 +1925,7 @@
           <a:p>
             <a:r>
               <a:rPr lang="en-US" smtClean="0"/>
-              <a:t>HPX - The C++ Standards Library for Concurrency and Parallelism (http://stellar-group.org/hpx)</a:t>
+              <a:t>HPX Workshop (Berkeley C++ Summit) - 5,            Hartmut Kaiser (hkaiser@cct.lsu.edu)</a:t>
             </a:r>
             <a:endParaRPr lang="en-US"/>
           </a:p>
@@ -2258,7 +2258,7 @@
           <a:p>
             <a:r>
               <a:rPr lang="en-US" smtClean="0"/>
-              <a:t>HPX - The C++ Standards Library for Concurrency and Parallelism (http://stellar-group.org/hpx)</a:t>
+              <a:t>HPX Workshop (Berkeley C++ Summit) - 5,            Hartmut Kaiser (hkaiser@cct.lsu.edu)</a:t>
             </a:r>
             <a:endParaRPr lang="en-US"/>
           </a:p>
@@ -2791,7 +2791,7 @@
           <a:p>
             <a:r>
               <a:rPr lang="en-US" smtClean="0"/>
-              <a:t>HPX - The C++ Standards Library for Concurrency and Parallelism (http://stellar-group.org/hpx)</a:t>
+              <a:t>HPX Workshop (Berkeley C++ Summit) - 5,            Hartmut Kaiser (hkaiser@cct.lsu.edu)</a:t>
             </a:r>
             <a:endParaRPr lang="en-US"/>
           </a:p>
@@ -2991,7 +2991,7 @@
           <a:p>
             <a:r>
               <a:rPr lang="en-US" smtClean="0"/>
-              <a:t>HPX - The C++ Standards Library for Concurrency and Parallelism (http://stellar-group.org/hpx)</a:t>
+              <a:t>HPX Workshop (Berkeley C++ Summit) - 5,            Hartmut Kaiser (hkaiser@cct.lsu.edu)</a:t>
             </a:r>
             <a:endParaRPr lang="en-US"/>
           </a:p>
@@ -3168,7 +3168,7 @@
           <a:p>
             <a:r>
               <a:rPr lang="en-US" smtClean="0"/>
-              <a:t>HPX - The C++ Standards Library for Concurrency and Parallelism (http://stellar-group.org/hpx)</a:t>
+              <a:t>HPX Workshop (Berkeley C++ Summit) - 5,            Hartmut Kaiser (hkaiser@cct.lsu.edu)</a:t>
             </a:r>
             <a:endParaRPr lang="en-US"/>
           </a:p>
@@ -3500,7 +3500,7 @@
           <a:p>
             <a:r>
               <a:rPr lang="en-US" smtClean="0"/>
-              <a:t>HPX - The C++ Standards Library for Concurrency and Parallelism (http://stellar-group.org/hpx)</a:t>
+              <a:t>HPX Workshop (Berkeley C++ Summit) - 5,            Hartmut Kaiser (hkaiser@cct.lsu.edu)</a:t>
             </a:r>
             <a:endParaRPr lang="en-US"/>
           </a:p>
@@ -3819,7 +3819,7 @@
           <a:p>
             <a:r>
               <a:rPr lang="en-US" smtClean="0"/>
-              <a:t>HPX - The C++ Standards Library for Concurrency and Parallelism (http://stellar-group.org/hpx)</a:t>
+              <a:t>HPX Workshop (Berkeley C++ Summit) - 5,            Hartmut Kaiser (hkaiser@cct.lsu.edu)</a:t>
             </a:r>
             <a:endParaRPr lang="en-US"/>
           </a:p>
@@ -4094,7 +4094,7 @@
           <a:p>
             <a:r>
               <a:rPr lang="en-US" smtClean="0"/>
-              <a:t>HPX - The C++ Standards Library for Concurrency and Parallelism (http://stellar-group.org/hpx)</a:t>
+              <a:t>HPX Workshop (Berkeley C++ Summit) - 5,            Hartmut Kaiser (hkaiser@cct.lsu.edu)</a:t>
             </a:r>
             <a:endParaRPr lang="en-US"/>
           </a:p>
@@ -4566,11 +4566,7 @@
           <a:p>
             <a:r>
               <a:rPr lang="en-US" dirty="0" smtClean="0"/>
-              <a:t>HPX </a:t>
-            </a:r>
-            <a:r>
-              <a:rPr lang="en-US" dirty="0" smtClean="0"/>
-              <a:t>Workshop (5)</a:t>
+              <a:t>HPX Workshop (5)</a:t>
             </a:r>
             <a:endParaRPr lang="en-US" dirty="0"/>
           </a:p>
@@ -4669,7 +4665,7 @@
           <a:p>
             <a:r>
               <a:rPr lang="en-US" smtClean="0"/>
-              <a:t>HPX - The C++ Standards Library for Concurrency and Parallelism (http://stellar-group.org/hpx)</a:t>
+              <a:t>HPX Workshop (Berkeley C++ Summit) - 5,            Hartmut Kaiser (hkaiser@cct.lsu.edu)</a:t>
             </a:r>
             <a:endParaRPr lang="en-US"/>
           </a:p>
@@ -6720,7 +6716,7 @@
           <a:p>
             <a:r>
               <a:rPr lang="en-US" smtClean="0"/>
-              <a:t>HPX - The C++ Standards Library for Concurrency and Parallelism (http://stellar-group.org/hpx)</a:t>
+              <a:t>HPX Workshop (Berkeley C++ Summit) - 5,            Hartmut Kaiser (hkaiser@cct.lsu.edu)</a:t>
             </a:r>
             <a:endParaRPr lang="en-US"/>
           </a:p>
@@ -7987,7 +7983,7 @@
           <a:p>
             <a:r>
               <a:rPr lang="en-US" smtClean="0"/>
-              <a:t>HPX - The C++ Standards Library for Concurrency and Parallelism (http://stellar-group.org/hpx)</a:t>
+              <a:t>HPX Workshop (Berkeley C++ Summit) - 5,            Hartmut Kaiser (hkaiser@cct.lsu.edu)</a:t>
             </a:r>
             <a:endParaRPr lang="en-US" dirty="0"/>
           </a:p>
@@ -8152,7 +8148,7 @@
           <a:p>
             <a:r>
               <a:rPr lang="en-US" smtClean="0"/>
-              <a:t>HPX - The C++ Standards Library for Concurrency and Parallelism (http://stellar-group.org/hpx)</a:t>
+              <a:t>HPX Workshop (Berkeley C++ Summit) - 5,            Hartmut Kaiser (hkaiser@cct.lsu.edu)</a:t>
             </a:r>
             <a:endParaRPr lang="en-US"/>
           </a:p>
@@ -8649,7 +8645,7 @@
           <a:p>
             <a:r>
               <a:rPr lang="en-US" smtClean="0"/>
-              <a:t>HPX - The C++ Standards Library for Concurrency and Parallelism (http://stellar-group.org/hpx)</a:t>
+              <a:t>HPX Workshop (Berkeley C++ Summit) - 5,            Hartmut Kaiser (hkaiser@cct.lsu.edu)</a:t>
             </a:r>
             <a:endParaRPr lang="en-US"/>
           </a:p>
@@ -8991,8 +8987,8 @@
           <a:lstStyle/>
           <a:p>
             <a:r>
-              <a:rPr lang="en-US" dirty="0" smtClean="0"/>
-              <a:t>HPX - The C++ Standards Library for Concurrency and Parallelism (http://stellar-group.org/hpx)</a:t>
+              <a:rPr lang="en-US" smtClean="0"/>
+              <a:t>HPX Workshop (Berkeley C++ Summit) - 5,            Hartmut Kaiser (hkaiser@cct.lsu.edu)</a:t>
             </a:r>
             <a:endParaRPr lang="en-US" dirty="0"/>
           </a:p>
@@ -9146,7 +9142,7 @@
           <a:p>
             <a:r>
               <a:rPr lang="en-US" smtClean="0"/>
-              <a:t>HPX - The C++ Standards Library for Concurrency and Parallelism (http://stellar-group.org/hpx)</a:t>
+              <a:t>HPX Workshop (Berkeley C++ Summit) - 5,            Hartmut Kaiser (hkaiser@cct.lsu.edu)</a:t>
             </a:r>
             <a:endParaRPr lang="en-US"/>
           </a:p>
@@ -9303,7 +9299,7 @@
           <a:p>
             <a:r>
               <a:rPr lang="en-US" smtClean="0"/>
-              <a:t>HPX - The C++ Standards Library for Concurrency and Parallelism (http://stellar-group.org/hpx)</a:t>
+              <a:t>HPX Workshop (Berkeley C++ Summit) - 5,            Hartmut Kaiser (hkaiser@cct.lsu.edu)</a:t>
             </a:r>
             <a:endParaRPr lang="en-US"/>
           </a:p>
@@ -10279,7 +10275,7 @@
           <a:p>
             <a:r>
               <a:rPr lang="en-US" smtClean="0"/>
-              <a:t>HPX - The C++ Standards Library for Concurrency and Parallelism (http://stellar-group.org/hpx)</a:t>
+              <a:t>HPX Workshop (Berkeley C++ Summit) - 5,            Hartmut Kaiser (hkaiser@cct.lsu.edu)</a:t>
             </a:r>
             <a:endParaRPr lang="en-US"/>
           </a:p>
@@ -11109,7 +11105,7 @@
           <a:p>
             <a:r>
               <a:rPr lang="en-US" smtClean="0"/>
-              <a:t>HPX - The C++ Standards Library for Concurrency and Parallelism (http://stellar-group.org/hpx)</a:t>
+              <a:t>HPX Workshop (Berkeley C++ Summit) - 5,            Hartmut Kaiser (hkaiser@cct.lsu.edu)</a:t>
             </a:r>
             <a:endParaRPr lang="en-US"/>
           </a:p>
@@ -11244,7 +11240,7 @@
           <a:p>
             <a:r>
               <a:rPr lang="en-US" smtClean="0"/>
-              <a:t>HPX - The C++ Standards Library for Concurrency and Parallelism (http://stellar-group.org/hpx)</a:t>
+              <a:t>HPX Workshop (Berkeley C++ Summit) - 5,            Hartmut Kaiser (hkaiser@cct.lsu.edu)</a:t>
             </a:r>
             <a:endParaRPr lang="en-US"/>
           </a:p>
@@ -12769,7 +12765,7 @@
           <a:p>
             <a:r>
               <a:rPr lang="en-US" smtClean="0"/>
-              <a:t>HPX - The C++ Standards Library for Concurrency and Parallelism (http://stellar-group.org/hpx)</a:t>
+              <a:t>HPX Workshop (Berkeley C++ Summit) - 5,            Hartmut Kaiser (hkaiser@cct.lsu.edu)</a:t>
             </a:r>
             <a:endParaRPr lang="en-US"/>
           </a:p>
@@ -13715,7 +13711,7 @@
           <a:p>
             <a:r>
               <a:rPr lang="en-US" smtClean="0"/>
-              <a:t>HPX - The C++ Standards Library for Concurrency and Parallelism (http://stellar-group.org/hpx)</a:t>
+              <a:t>HPX Workshop (Berkeley C++ Summit) - 5,            Hartmut Kaiser (hkaiser@cct.lsu.edu)</a:t>
             </a:r>
             <a:endParaRPr lang="en-US"/>
           </a:p>
